--- a/VisualizingLDDs/Visualizing LDDs.pptx
+++ b/VisualizingLDDs/Visualizing LDDs.pptx
@@ -3111,13 +3111,13 @@
             <a:spLocks noGrp="1"/>
           </p:cNvSpPr>
           <p:nvPr>
-            <p:ph type="title"/>
+            <p:ph type="ctrTitle"/>
           </p:nvPr>
         </p:nvSpPr>
         <p:spPr>
           <a:xfrm>
-            <a:off x="722313" y="3305176"/>
-            <a:ext cx="7772400" cy="1021556"/>
+            <a:off x="685800" y="1597819"/>
+            <a:ext cx="7772400" cy="1102519"/>
           </a:xfrm>
         </p:spPr>
         <p:txBody>
@@ -3130,6 +3130,63 @@
             <a:r>
               <a:rPr/>
               <a:t>Visualizing LDDs</a:t>
+            </a:r>
+          </a:p>
+        </p:txBody>
+      </p:sp>
+      <p:sp>
+        <p:nvSpPr>
+          <p:cNvPr id="3" name="Subtitle 2"/>
+          <p:cNvSpPr>
+            <a:spLocks noGrp="1"/>
+          </p:cNvSpPr>
+          <p:nvPr>
+            <p:ph idx="1" type="subTitle"/>
+          </p:nvPr>
+        </p:nvSpPr>
+        <p:spPr>
+          <a:xfrm>
+            <a:off x="1371600" y="2914650"/>
+            <a:ext cx="6400800" cy="1314450"/>
+          </a:xfrm>
+        </p:spPr>
+        <p:txBody>
+          <a:bodyPr/>
+          <a:lstStyle/>
+          <a:p>
+            <a:pPr lvl="0" indent="0" marL="0">
+              <a:buNone/>
+            </a:pPr>
+            <a:br/>
+            <a:br/>
+            <a:r>
+              <a:rPr/>
+              <a:t>Jesse Stone, PDS Small Bodies Node</a:t>
+            </a:r>
+          </a:p>
+        </p:txBody>
+      </p:sp>
+      <p:sp>
+        <p:nvSpPr>
+          <p:cNvPr id="4" name="Date Placeholder 3"/>
+          <p:cNvSpPr>
+            <a:spLocks noGrp="1"/>
+          </p:cNvSpPr>
+          <p:nvPr>
+            <p:ph idx="10" sz="half" type="dt"/>
+          </p:nvPr>
+        </p:nvSpPr>
+        <p:spPr/>
+        <p:txBody>
+          <a:bodyPr/>
+          <a:lstStyle/>
+          <a:p>
+            <a:pPr lvl="0" indent="0" marL="0">
+              <a:buNone/>
+            </a:pPr>
+            <a:r>
+              <a:rPr/>
+              <a:t>2021-02-09</a:t>
             </a:r>
           </a:p>
         </p:txBody>
